--- a/Apresentacao/Apresentacao.pptx
+++ b/Apresentacao/Apresentacao.pptx
@@ -41,28 +41,28 @@
   <p:notesSz cx="6858000" cy="9144000"/>
   <p:embeddedFontLst>
     <p:embeddedFont>
-      <p:font typeface="Playfair Display"/>
+      <p:font typeface="Trebuchet MS" panose="020B0603020202020204" pitchFamily="34" charset="0"/>
       <p:regular r:id="rId31"/>
       <p:bold r:id="rId32"/>
       <p:italic r:id="rId33"/>
       <p:boldItalic r:id="rId34"/>
     </p:embeddedFont>
     <p:embeddedFont>
-      <p:font typeface="Montserrat" panose="020B0604020202020204" charset="0"/>
+      <p:font typeface="Playfair Display"/>
       <p:regular r:id="rId35"/>
       <p:bold r:id="rId36"/>
+      <p:italic r:id="rId37"/>
+      <p:boldItalic r:id="rId38"/>
+    </p:embeddedFont>
+    <p:embeddedFont>
+      <p:font typeface="Montserrat" panose="020B0604020202020204" charset="0"/>
+      <p:regular r:id="rId39"/>
+      <p:bold r:id="rId40"/>
     </p:embeddedFont>
     <p:embeddedFont>
       <p:font typeface="Oswald" panose="020B0604020202020204" charset="0"/>
-      <p:regular r:id="rId37"/>
-      <p:bold r:id="rId38"/>
-    </p:embeddedFont>
-    <p:embeddedFont>
-      <p:font typeface="Trebuchet MS" panose="020B0603020202020204" pitchFamily="34" charset="0"/>
-      <p:regular r:id="rId39"/>
-      <p:bold r:id="rId40"/>
-      <p:italic r:id="rId41"/>
-      <p:boldItalic r:id="rId42"/>
+      <p:regular r:id="rId41"/>
+      <p:bold r:id="rId42"/>
     </p:embeddedFont>
   </p:embeddedFontLst>
   <p:defaultTextStyle>
@@ -841,7 +841,7 @@
               </a:spcBef>
               <a:buNone/>
             </a:pPr>
-            <a:endParaRPr/>
+            <a:endParaRPr dirty="0"/>
           </a:p>
         </p:txBody>
       </p:sp>
@@ -1689,7 +1689,7 @@
               </a:spcBef>
               <a:buNone/>
             </a:pPr>
-            <a:endParaRPr/>
+            <a:endParaRPr dirty="0"/>
           </a:p>
         </p:txBody>
       </p:sp>
@@ -11722,8 +11722,8 @@
         </p:nvSpPr>
         <p:spPr>
           <a:xfrm>
-            <a:off x="6737625" y="3849750"/>
-            <a:ext cx="2079000" cy="1050900"/>
+            <a:off x="6537251" y="4103750"/>
+            <a:ext cx="2660374" cy="1050900"/>
           </a:xfrm>
           <a:prstGeom prst="rect">
             <a:avLst/>
@@ -11739,14 +11739,8 @@
           </a:bodyPr>
           <a:lstStyle/>
           <a:p>
-            <a:pPr lvl="0" algn="r">
-              <a:spcBef>
-                <a:spcPts val="0"/>
-              </a:spcBef>
-              <a:buNone/>
-            </a:pPr>
-            <a:r>
-              <a:rPr lang="pt-PT">
+            <a:r>
+              <a:rPr lang="pt-PT" u="sng" dirty="0">
                 <a:solidFill>
                   <a:srgbClr val="F3F3F3"/>
                 </a:solidFill>
@@ -11755,10 +11749,10 @@
                 <a:cs typeface="Trebuchet MS"/>
                 <a:sym typeface="Trebuchet MS"/>
               </a:rPr>
-              <a:t>André Santos</a:t>
-            </a:r>
-            <a:br>
-              <a:rPr lang="pt-PT">
+              <a:t>Grupo </a:t>
+            </a:r>
+            <a:r>
+              <a:rPr lang="pt-PT" u="sng" dirty="0" smtClean="0">
                 <a:solidFill>
                   <a:srgbClr val="F3F3F3"/>
                 </a:solidFill>
@@ -11767,9 +11761,22 @@
                 <a:cs typeface="Trebuchet MS"/>
                 <a:sym typeface="Trebuchet MS"/>
               </a:rPr>
-            </a:br>
-            <a:r>
-              <a:rPr lang="pt-PT">
+              <a:t>08:</a:t>
+            </a:r>
+            <a:endParaRPr lang="pt-PT" u="sng" dirty="0" smtClean="0">
+              <a:solidFill>
+                <a:srgbClr val="F3F3F3"/>
+              </a:solidFill>
+              <a:latin typeface="Trebuchet MS"/>
+              <a:ea typeface="Trebuchet MS"/>
+              <a:cs typeface="Trebuchet MS"/>
+              <a:sym typeface="Trebuchet MS"/>
+            </a:endParaRPr>
+          </a:p>
+          <a:p>
+            <a:pPr lvl="4"/>
+            <a:r>
+              <a:rPr lang="pt-PT" dirty="0" smtClean="0">
                 <a:solidFill>
                   <a:srgbClr val="F3F3F3"/>
                 </a:solidFill>
@@ -11778,10 +11785,10 @@
                 <a:cs typeface="Trebuchet MS"/>
                 <a:sym typeface="Trebuchet MS"/>
               </a:rPr>
-              <a:t>Jéssica Pereira</a:t>
-            </a:r>
-            <a:br>
-              <a:rPr lang="pt-PT">
+              <a:t>    André </a:t>
+            </a:r>
+            <a:r>
+              <a:rPr lang="pt-PT" dirty="0">
                 <a:solidFill>
                   <a:srgbClr val="F3F3F3"/>
                 </a:solidFill>
@@ -11790,9 +11797,10 @@
                 <a:cs typeface="Trebuchet MS"/>
                 <a:sym typeface="Trebuchet MS"/>
               </a:rPr>
-            </a:br>
-            <a:r>
-              <a:rPr lang="pt-PT">
+              <a:t>Santos</a:t>
+            </a:r>
+            <a:br>
+              <a:rPr lang="pt-PT" dirty="0">
                 <a:solidFill>
                   <a:srgbClr val="F3F3F3"/>
                 </a:solidFill>
@@ -11801,10 +11809,9 @@
                 <a:cs typeface="Trebuchet MS"/>
                 <a:sym typeface="Trebuchet MS"/>
               </a:rPr>
-              <a:t>Mariana Carvalho</a:t>
-            </a:r>
-            <a:br>
-              <a:rPr lang="pt-PT">
+            </a:br>
+            <a:r>
+              <a:rPr lang="pt-PT" dirty="0" smtClean="0">
                 <a:solidFill>
                   <a:srgbClr val="F3F3F3"/>
                 </a:solidFill>
@@ -11813,9 +11820,10 @@
                 <a:cs typeface="Trebuchet MS"/>
                 <a:sym typeface="Trebuchet MS"/>
               </a:rPr>
-            </a:br>
-            <a:r>
-              <a:rPr lang="pt-PT">
+              <a:t>    Jéssica </a:t>
+            </a:r>
+            <a:r>
+              <a:rPr lang="pt-PT" dirty="0">
                 <a:solidFill>
                   <a:srgbClr val="F3F3F3"/>
                 </a:solidFill>
@@ -11824,8 +11832,63 @@
                 <a:cs typeface="Trebuchet MS"/>
                 <a:sym typeface="Trebuchet MS"/>
               </a:rPr>
-              <a:t>Grupo 08</a:t>
-            </a:r>
+              <a:t>Pereira</a:t>
+            </a:r>
+            <a:br>
+              <a:rPr lang="pt-PT" dirty="0">
+                <a:solidFill>
+                  <a:srgbClr val="F3F3F3"/>
+                </a:solidFill>
+                <a:latin typeface="Trebuchet MS"/>
+                <a:ea typeface="Trebuchet MS"/>
+                <a:cs typeface="Trebuchet MS"/>
+                <a:sym typeface="Trebuchet MS"/>
+              </a:rPr>
+            </a:br>
+            <a:r>
+              <a:rPr lang="pt-PT" dirty="0" smtClean="0">
+                <a:solidFill>
+                  <a:srgbClr val="F3F3F3"/>
+                </a:solidFill>
+                <a:latin typeface="Trebuchet MS"/>
+                <a:ea typeface="Trebuchet MS"/>
+                <a:cs typeface="Trebuchet MS"/>
+                <a:sym typeface="Trebuchet MS"/>
+              </a:rPr>
+              <a:t>    Mariana </a:t>
+            </a:r>
+            <a:r>
+              <a:rPr lang="pt-PT" dirty="0">
+                <a:solidFill>
+                  <a:srgbClr val="F3F3F3"/>
+                </a:solidFill>
+                <a:latin typeface="Trebuchet MS"/>
+                <a:ea typeface="Trebuchet MS"/>
+                <a:cs typeface="Trebuchet MS"/>
+                <a:sym typeface="Trebuchet MS"/>
+              </a:rPr>
+              <a:t>Carvalho</a:t>
+            </a:r>
+            <a:br>
+              <a:rPr lang="pt-PT" dirty="0">
+                <a:solidFill>
+                  <a:srgbClr val="F3F3F3"/>
+                </a:solidFill>
+                <a:latin typeface="Trebuchet MS"/>
+                <a:ea typeface="Trebuchet MS"/>
+                <a:cs typeface="Trebuchet MS"/>
+                <a:sym typeface="Trebuchet MS"/>
+              </a:rPr>
+            </a:br>
+            <a:endParaRPr lang="pt-PT" dirty="0">
+              <a:solidFill>
+                <a:srgbClr val="F3F3F3"/>
+              </a:solidFill>
+              <a:latin typeface="Trebuchet MS"/>
+              <a:ea typeface="Trebuchet MS"/>
+              <a:cs typeface="Trebuchet MS"/>
+              <a:sym typeface="Trebuchet MS"/>
+            </a:endParaRPr>
           </a:p>
         </p:txBody>
       </p:sp>
@@ -12089,7 +12152,15 @@
                   <a:srgbClr val="000000"/>
                 </a:solidFill>
               </a:rPr>
-              <a:t>tabela de atributo multi valor</a:t>
+              <a:t>tabela de atributo </a:t>
+            </a:r>
+            <a:r>
+              <a:rPr lang="pt-PT" sz="1400" dirty="0" smtClean="0">
+                <a:solidFill>
+                  <a:srgbClr val="000000"/>
+                </a:solidFill>
+              </a:rPr>
+              <a:t>multivalor</a:t>
             </a:r>
             <a:endParaRPr lang="pt-PT" sz="1400" dirty="0">
               <a:solidFill>
@@ -12533,7 +12604,7 @@
               <a:buChar char="•"/>
             </a:pPr>
             <a:r>
-              <a:rPr lang="pt-PT" sz="1400" b="1" dirty="0">
+              <a:rPr lang="pt-PT" sz="1600" b="1" u="sng" dirty="0">
                 <a:solidFill>
                   <a:srgbClr val="000000"/>
                 </a:solidFill>
@@ -12562,7 +12633,7 @@
               <a:buNone/>
             </a:pPr>
             <a:r>
-              <a:rPr lang="pt-PT" sz="1400" b="1" dirty="0">
+              <a:rPr lang="pt-PT" sz="1400" dirty="0">
                 <a:solidFill>
                   <a:srgbClr val="000000"/>
                 </a:solidFill>
@@ -12577,7 +12648,7 @@
               </a:spcBef>
               <a:buNone/>
             </a:pPr>
-            <a:endParaRPr sz="1400" b="1" dirty="0">
+            <a:endParaRPr sz="1400" dirty="0">
               <a:solidFill>
                 <a:srgbClr val="000000"/>
               </a:solidFill>
@@ -12591,7 +12662,7 @@
               <a:buNone/>
             </a:pPr>
             <a:r>
-              <a:rPr lang="pt-PT" sz="1400" b="1" dirty="0">
+              <a:rPr lang="pt-PT" sz="1400" dirty="0">
                 <a:solidFill>
                   <a:srgbClr val="000000"/>
                 </a:solidFill>
@@ -12606,7 +12677,7 @@
               </a:spcBef>
               <a:buNone/>
             </a:pPr>
-            <a:endParaRPr sz="1400" b="1" dirty="0">
+            <a:endParaRPr sz="1400" dirty="0">
               <a:solidFill>
                 <a:srgbClr val="000000"/>
               </a:solidFill>
@@ -12620,7 +12691,7 @@
               <a:buNone/>
             </a:pPr>
             <a:r>
-              <a:rPr lang="pt-PT" sz="1400" b="1" dirty="0">
+              <a:rPr lang="pt-PT" sz="1400" dirty="0">
                 <a:solidFill>
                   <a:srgbClr val="000000"/>
                 </a:solidFill>
@@ -12843,20 +12914,7 @@
               </a:spcBef>
               <a:buNone/>
             </a:pPr>
-            <a:endParaRPr sz="1400" b="1" dirty="0">
-              <a:solidFill>
-                <a:srgbClr val="00387E"/>
-              </a:solidFill>
-            </a:endParaRPr>
-          </a:p>
-          <a:p>
-            <a:pPr lvl="0" rtl="0">
-              <a:spcBef>
-                <a:spcPts val="0"/>
-              </a:spcBef>
-              <a:buNone/>
-            </a:pPr>
-            <a:endParaRPr sz="1400" b="1" dirty="0">
+            <a:endParaRPr sz="2400" b="1" dirty="0">
               <a:solidFill>
                 <a:srgbClr val="00387E"/>
               </a:solidFill>
@@ -12875,12 +12933,39 @@
               <a:buChar char="•"/>
             </a:pPr>
             <a:r>
+              <a:rPr lang="pt-PT" sz="1600" b="1" u="sng" dirty="0">
+                <a:solidFill>
+                  <a:srgbClr val="000000"/>
+                </a:solidFill>
+              </a:rPr>
+              <a:t>2ª Forma Normal (2FN</a:t>
+            </a:r>
+            <a:r>
+              <a:rPr lang="pt-PT" sz="1600" b="1" u="sng" dirty="0" smtClean="0">
+                <a:solidFill>
+                  <a:srgbClr val="000000"/>
+                </a:solidFill>
+              </a:rPr>
+              <a:t>)</a:t>
+            </a:r>
+          </a:p>
+          <a:p>
+            <a:pPr marL="139700" lvl="0" rtl="0">
+              <a:spcBef>
+                <a:spcPts val="0"/>
+              </a:spcBef>
+              <a:buClr>
+                <a:srgbClr val="000000"/>
+              </a:buClr>
+              <a:buSzPct val="100000"/>
+            </a:pPr>
+            <a:r>
               <a:rPr lang="pt-PT" sz="1400" b="1" dirty="0">
                 <a:solidFill>
                   <a:srgbClr val="000000"/>
                 </a:solidFill>
               </a:rPr>
-              <a:t>2ª Forma Normal (2FN)</a:t>
+              <a:t>	</a:t>
             </a:r>
           </a:p>
           <a:p>
@@ -12891,13 +12976,34 @@
               <a:buNone/>
             </a:pPr>
             <a:r>
+              <a:rPr lang="pt-PT" sz="1400" b="1" dirty="0" smtClean="0">
+                <a:solidFill>
+                  <a:srgbClr val="000000"/>
+                </a:solidFill>
+              </a:rPr>
+              <a:t>	</a:t>
+            </a:r>
+            <a:r>
+              <a:rPr lang="pt-PT" sz="1400" dirty="0" smtClean="0">
+                <a:solidFill>
+                  <a:srgbClr val="000000"/>
+                </a:solidFill>
+              </a:rPr>
+              <a:t>Todas as relações na 1FN</a:t>
+            </a:r>
+            <a:r>
               <a:rPr lang="pt-PT" sz="1400" b="1" dirty="0">
                 <a:solidFill>
                   <a:srgbClr val="000000"/>
                 </a:solidFill>
               </a:rPr>
-              <a:t>		</a:t>
-            </a:r>
+              <a:t>	</a:t>
+            </a:r>
+            <a:endParaRPr lang="pt-PT" sz="1400" b="1" dirty="0" smtClean="0">
+              <a:solidFill>
+                <a:srgbClr val="000000"/>
+              </a:solidFill>
+            </a:endParaRPr>
           </a:p>
           <a:p>
             <a:pPr lvl="0" rtl="0">
@@ -12906,6 +13012,19 @@
               </a:spcBef>
               <a:buNone/>
             </a:pPr>
+            <a:endParaRPr lang="pt-PT" sz="1400" b="1" dirty="0" smtClean="0">
+              <a:solidFill>
+                <a:srgbClr val="000000"/>
+              </a:solidFill>
+            </a:endParaRPr>
+          </a:p>
+          <a:p>
+            <a:pPr lvl="0" rtl="0">
+              <a:spcBef>
+                <a:spcPts val="0"/>
+              </a:spcBef>
+              <a:buNone/>
+            </a:pPr>
             <a:r>
               <a:rPr lang="pt-PT" sz="1400" b="1" dirty="0">
                 <a:solidFill>
@@ -12915,7 +13034,7 @@
               <a:t>	</a:t>
             </a:r>
             <a:r>
-              <a:rPr lang="pt-PT" sz="1400" b="1" dirty="0" smtClean="0">
+              <a:rPr lang="pt-PT" sz="1400" dirty="0" smtClean="0">
                 <a:solidFill>
                   <a:srgbClr val="000000"/>
                 </a:solidFill>
@@ -12923,7 +13042,7 @@
               <a:t>Dependência </a:t>
             </a:r>
             <a:r>
-              <a:rPr lang="pt-PT" sz="1400" b="1" dirty="0">
+              <a:rPr lang="pt-PT" sz="1400" dirty="0">
                 <a:solidFill>
                   <a:srgbClr val="000000"/>
                 </a:solidFill>
@@ -13165,12 +13284,28 @@
               <a:buChar char="•"/>
             </a:pPr>
             <a:r>
+              <a:rPr lang="pt-PT" sz="1600" b="1" u="sng" dirty="0">
+                <a:solidFill>
+                  <a:srgbClr val="000000"/>
+                </a:solidFill>
+              </a:rPr>
+              <a:t>3ª Forma Normal (3FN)</a:t>
+            </a:r>
+          </a:p>
+          <a:p>
+            <a:pPr lvl="0" rtl="0">
+              <a:spcBef>
+                <a:spcPts val="0"/>
+              </a:spcBef>
+              <a:buNone/>
+            </a:pPr>
+            <a:r>
               <a:rPr lang="pt-PT" sz="1400" b="1" dirty="0">
                 <a:solidFill>
                   <a:srgbClr val="000000"/>
                 </a:solidFill>
               </a:rPr>
-              <a:t>3ª Forma Normal (3FN)</a:t>
+              <a:t>		</a:t>
             </a:r>
           </a:p>
           <a:p>
@@ -13186,7 +13321,23 @@
                   <a:srgbClr val="000000"/>
                 </a:solidFill>
               </a:rPr>
-              <a:t>		</a:t>
+              <a:t>	</a:t>
+            </a:r>
+            <a:r>
+              <a:rPr lang="pt-PT" sz="1400" dirty="0" smtClean="0">
+                <a:solidFill>
+                  <a:srgbClr val="000000"/>
+                </a:solidFill>
+              </a:rPr>
+              <a:t>Todas </a:t>
+            </a:r>
+            <a:r>
+              <a:rPr lang="pt-PT" sz="1400" dirty="0">
+                <a:solidFill>
+                  <a:srgbClr val="000000"/>
+                </a:solidFill>
+              </a:rPr>
+              <a:t>as relações na 2FN</a:t>
             </a:r>
           </a:p>
           <a:p>
@@ -13196,39 +13347,7 @@
               </a:spcBef>
               <a:buNone/>
             </a:pPr>
-            <a:r>
-              <a:rPr lang="pt-PT" sz="1400" b="1" dirty="0">
-                <a:solidFill>
-                  <a:srgbClr val="000000"/>
-                </a:solidFill>
-              </a:rPr>
-              <a:t>	</a:t>
-            </a:r>
-            <a:r>
-              <a:rPr lang="pt-PT" sz="1400" b="1" dirty="0" smtClean="0">
-                <a:solidFill>
-                  <a:srgbClr val="000000"/>
-                </a:solidFill>
-              </a:rPr>
-              <a:t>Todas </a:t>
-            </a:r>
-            <a:r>
-              <a:rPr lang="pt-PT" sz="1400" b="1" dirty="0">
-                <a:solidFill>
-                  <a:srgbClr val="000000"/>
-                </a:solidFill>
-              </a:rPr>
-              <a:t>as relações na 2FN</a:t>
-            </a:r>
-          </a:p>
-          <a:p>
-            <a:pPr lvl="0" rtl="0">
-              <a:spcBef>
-                <a:spcPts val="0"/>
-              </a:spcBef>
-              <a:buNone/>
-            </a:pPr>
-            <a:endParaRPr sz="1400" b="1" dirty="0">
+            <a:endParaRPr sz="1400" dirty="0">
               <a:solidFill>
                 <a:srgbClr val="000000"/>
               </a:solidFill>
@@ -13242,7 +13361,7 @@
               <a:buNone/>
             </a:pPr>
             <a:r>
-              <a:rPr lang="pt-PT" sz="1400" b="1" dirty="0">
+              <a:rPr lang="pt-PT" sz="1400" dirty="0">
                 <a:solidFill>
                   <a:srgbClr val="000000"/>
                 </a:solidFill>
@@ -13250,7 +13369,7 @@
               <a:t>	</a:t>
             </a:r>
             <a:r>
-              <a:rPr lang="pt-PT" sz="1400" b="1" dirty="0" smtClean="0">
+              <a:rPr lang="pt-PT" sz="1400" dirty="0" smtClean="0">
                 <a:solidFill>
                   <a:srgbClr val="000000"/>
                 </a:solidFill>
@@ -13258,7 +13377,7 @@
               <a:t>Não </a:t>
             </a:r>
             <a:r>
-              <a:rPr lang="pt-PT" sz="1400" b="1" dirty="0">
+              <a:rPr lang="pt-PT" sz="1400" dirty="0">
                 <a:solidFill>
                   <a:srgbClr val="000000"/>
                 </a:solidFill>
@@ -13481,14 +13600,6 @@
               </a:rPr>
               <a:t>Normalização</a:t>
             </a:r>
-          </a:p>
-          <a:p>
-            <a:pPr lvl="0" rtl="0">
-              <a:spcBef>
-                <a:spcPts val="0"/>
-              </a:spcBef>
-              <a:buNone/>
-            </a:pPr>
             <a:endParaRPr lang="pt-PT" sz="2400" b="1" dirty="0">
               <a:solidFill>
                 <a:srgbClr val="000000"/>
@@ -13502,7 +13613,7 @@
               </a:spcBef>
               <a:buNone/>
             </a:pPr>
-            <a:endParaRPr sz="1400" b="1" dirty="0">
+            <a:endParaRPr sz="2400" b="1" dirty="0">
               <a:solidFill>
                 <a:srgbClr val="000000"/>
               </a:solidFill>
@@ -13521,12 +13632,28 @@
               <a:buChar char="•"/>
             </a:pPr>
             <a:r>
+              <a:rPr lang="pt-PT" sz="1600" b="1" u="sng" dirty="0">
+                <a:solidFill>
+                  <a:srgbClr val="000000"/>
+                </a:solidFill>
+              </a:rPr>
+              <a:t>Forma Normal Boyce-Codd (FNBC)</a:t>
+            </a:r>
+          </a:p>
+          <a:p>
+            <a:pPr lvl="0" rtl="0">
+              <a:spcBef>
+                <a:spcPts val="0"/>
+              </a:spcBef>
+              <a:buNone/>
+            </a:pPr>
+            <a:r>
               <a:rPr lang="pt-PT" sz="1400" b="1" dirty="0">
                 <a:solidFill>
                   <a:srgbClr val="000000"/>
                 </a:solidFill>
               </a:rPr>
-              <a:t>Forma Normal Boyce-Codd (FNBC)</a:t>
+              <a:t>	</a:t>
             </a:r>
           </a:p>
           <a:p>
@@ -13544,6 +13671,22 @@
               </a:rPr>
               <a:t>	</a:t>
             </a:r>
+            <a:r>
+              <a:rPr lang="pt-PT" sz="1400" dirty="0" smtClean="0">
+                <a:solidFill>
+                  <a:srgbClr val="000000"/>
+                </a:solidFill>
+              </a:rPr>
+              <a:t>Todas as relações na 3ª </a:t>
+            </a:r>
+            <a:r>
+              <a:rPr lang="pt-PT" sz="1400" dirty="0">
+                <a:solidFill>
+                  <a:srgbClr val="000000"/>
+                </a:solidFill>
+              </a:rPr>
+              <a:t>FN</a:t>
+            </a:r>
           </a:p>
           <a:p>
             <a:pPr lvl="0" rtl="0">
@@ -13552,39 +13695,7 @@
               </a:spcBef>
               <a:buNone/>
             </a:pPr>
-            <a:r>
-              <a:rPr lang="pt-PT" sz="1400" b="1" dirty="0">
-                <a:solidFill>
-                  <a:srgbClr val="000000"/>
-                </a:solidFill>
-              </a:rPr>
-              <a:t>	</a:t>
-            </a:r>
-            <a:r>
-              <a:rPr lang="pt-PT" sz="1400" b="1" dirty="0" smtClean="0">
-                <a:solidFill>
-                  <a:srgbClr val="000000"/>
-                </a:solidFill>
-              </a:rPr>
-              <a:t>Modelo </a:t>
-            </a:r>
-            <a:r>
-              <a:rPr lang="pt-PT" sz="1400" b="1" dirty="0">
-                <a:solidFill>
-                  <a:srgbClr val="000000"/>
-                </a:solidFill>
-              </a:rPr>
-              <a:t>validado pela 3ª FN</a:t>
-            </a:r>
-          </a:p>
-          <a:p>
-            <a:pPr lvl="0" rtl="0">
-              <a:spcBef>
-                <a:spcPts val="0"/>
-              </a:spcBef>
-              <a:buNone/>
-            </a:pPr>
-            <a:endParaRPr sz="1400" b="1" dirty="0">
+            <a:endParaRPr sz="1400" dirty="0">
               <a:solidFill>
                 <a:srgbClr val="000000"/>
               </a:solidFill>
@@ -13598,7 +13709,7 @@
               <a:buNone/>
             </a:pPr>
             <a:r>
-              <a:rPr lang="pt-PT" sz="1400" b="1" dirty="0">
+              <a:rPr lang="pt-PT" sz="1400" dirty="0">
                 <a:solidFill>
                   <a:srgbClr val="000000"/>
                 </a:solidFill>
@@ -13606,7 +13717,7 @@
               <a:t>	</a:t>
             </a:r>
             <a:r>
-              <a:rPr lang="pt-PT" sz="1400" b="1" dirty="0" smtClean="0">
+              <a:rPr lang="pt-PT" sz="1400" dirty="0" smtClean="0">
                 <a:solidFill>
                   <a:srgbClr val="000000"/>
                 </a:solidFill>
@@ -13614,7 +13725,7 @@
               <a:t>Todos </a:t>
             </a:r>
             <a:r>
-              <a:rPr lang="pt-PT" sz="1400" b="1" dirty="0">
+              <a:rPr lang="pt-PT" sz="1400" dirty="0">
                 <a:solidFill>
                   <a:srgbClr val="000000"/>
                 </a:solidFill>
@@ -14331,7 +14442,23 @@
                   <a:srgbClr val="000000"/>
                 </a:solidFill>
               </a:rPr>
-              <a:t>, na tabela Exemplar:</a:t>
+              <a:t>, na tabela </a:t>
+            </a:r>
+            <a:r>
+              <a:rPr lang="pt-PT" sz="1300" b="1" dirty="0">
+                <a:solidFill>
+                  <a:srgbClr val="000000"/>
+                </a:solidFill>
+              </a:rPr>
+              <a:t>Exemplar</a:t>
+            </a:r>
+            <a:r>
+              <a:rPr lang="pt-PT" sz="1300" dirty="0">
+                <a:solidFill>
+                  <a:srgbClr val="000000"/>
+                </a:solidFill>
+              </a:rPr>
+              <a:t>:</a:t>
             </a:r>
           </a:p>
           <a:p>
@@ -14504,7 +14631,23 @@
                   <a:srgbClr val="000000"/>
                 </a:solidFill>
               </a:rPr>
-              <a:t>, na tabela Requisição:</a:t>
+              <a:t>, na tabela </a:t>
+            </a:r>
+            <a:r>
+              <a:rPr lang="pt-PT" sz="1300" b="1" dirty="0">
+                <a:solidFill>
+                  <a:srgbClr val="000000"/>
+                </a:solidFill>
+              </a:rPr>
+              <a:t>Requisição</a:t>
+            </a:r>
+            <a:r>
+              <a:rPr lang="pt-PT" sz="1300" dirty="0">
+                <a:solidFill>
+                  <a:srgbClr val="000000"/>
+                </a:solidFill>
+              </a:rPr>
+              <a:t>:</a:t>
             </a:r>
           </a:p>
           <a:p>
@@ -14859,7 +15002,31 @@
                   <a:schemeClr val="dk1"/>
                 </a:solidFill>
               </a:rPr>
-              <a:t>Atributo Tipo na tabela </a:t>
+              <a:t>Atributo </a:t>
+            </a:r>
+            <a:r>
+              <a:rPr lang="pt-PT" sz="1300" b="1" dirty="0">
+                <a:solidFill>
+                  <a:schemeClr val="dk1"/>
+                </a:solidFill>
+              </a:rPr>
+              <a:t>Tipo</a:t>
+            </a:r>
+            <a:r>
+              <a:rPr lang="pt-PT" sz="1300" dirty="0">
+                <a:solidFill>
+                  <a:schemeClr val="dk1"/>
+                </a:solidFill>
+              </a:rPr>
+              <a:t> na tabela </a:t>
+            </a:r>
+            <a:r>
+              <a:rPr lang="pt-PT" sz="1300" b="1" dirty="0" smtClean="0">
+                <a:solidFill>
+                  <a:schemeClr val="dk1"/>
+                </a:solidFill>
+              </a:rPr>
+              <a:t>Utilizador</a:t>
             </a:r>
             <a:r>
               <a:rPr lang="pt-PT" sz="1300" dirty="0" smtClean="0">
@@ -14867,7 +15034,7 @@
                   <a:schemeClr val="dk1"/>
                 </a:solidFill>
               </a:rPr>
-              <a:t>Utilizador:</a:t>
+              <a:t>:</a:t>
             </a:r>
           </a:p>
           <a:p>
@@ -15168,7 +15335,39 @@
                   <a:schemeClr val="dk1"/>
                 </a:solidFill>
               </a:rPr>
-              <a:t>Atributo Estado na tabela resultante do relacionamento Exemplar – Utilizador:</a:t>
+              <a:t>Atributo </a:t>
+            </a:r>
+            <a:r>
+              <a:rPr lang="pt-PT" sz="1300" b="1" dirty="0">
+                <a:solidFill>
+                  <a:schemeClr val="dk1"/>
+                </a:solidFill>
+              </a:rPr>
+              <a:t>Estado</a:t>
+            </a:r>
+            <a:r>
+              <a:rPr lang="pt-PT" sz="1300" dirty="0">
+                <a:solidFill>
+                  <a:schemeClr val="dk1"/>
+                </a:solidFill>
+              </a:rPr>
+              <a:t> na tabela resultante do relacionamento </a:t>
+            </a:r>
+            <a:r>
+              <a:rPr lang="pt-PT" sz="1300" b="1" dirty="0">
+                <a:solidFill>
+                  <a:schemeClr val="dk1"/>
+                </a:solidFill>
+              </a:rPr>
+              <a:t>Exemplar – Utilizador</a:t>
+            </a:r>
+            <a:r>
+              <a:rPr lang="pt-PT" sz="1300" dirty="0">
+                <a:solidFill>
+                  <a:schemeClr val="dk1"/>
+                </a:solidFill>
+              </a:rPr>
+              <a:t>:</a:t>
             </a:r>
           </a:p>
           <a:p>
@@ -16080,7 +16279,7 @@
               <a:buChar char="●"/>
             </a:pPr>
             <a:r>
-              <a:rPr lang="pt-PT" sz="1800"/>
+              <a:rPr lang="pt-PT" sz="1800" dirty="0"/>
               <a:t>Introdução</a:t>
             </a:r>
           </a:p>
@@ -16096,7 +16295,7 @@
               <a:buChar char="○"/>
             </a:pPr>
             <a:r>
-              <a:rPr lang="pt-PT" sz="1100">
+              <a:rPr lang="pt-PT" sz="1100" dirty="0">
                 <a:solidFill>
                   <a:schemeClr val="dk1"/>
                 </a:solidFill>
@@ -16120,7 +16319,7 @@
               <a:buChar char="○"/>
             </a:pPr>
             <a:r>
-              <a:rPr lang="pt-PT" sz="1100">
+              <a:rPr lang="pt-PT" sz="1100" dirty="0">
                 <a:solidFill>
                   <a:schemeClr val="dk1"/>
                 </a:solidFill>
@@ -16144,7 +16343,7 @@
               <a:buChar char="○"/>
             </a:pPr>
             <a:r>
-              <a:rPr lang="pt-PT" sz="1100">
+              <a:rPr lang="pt-PT" sz="1100" dirty="0">
                 <a:solidFill>
                   <a:schemeClr val="dk1"/>
                 </a:solidFill>
@@ -16168,7 +16367,7 @@
               <a:buChar char="○"/>
             </a:pPr>
             <a:r>
-              <a:rPr lang="pt-PT" sz="1100">
+              <a:rPr lang="pt-PT" sz="1100" dirty="0">
                 <a:solidFill>
                   <a:schemeClr val="dk1"/>
                 </a:solidFill>
@@ -16190,7 +16389,7 @@
               </a:spcBef>
               <a:buNone/>
             </a:pPr>
-            <a:endParaRPr sz="1100">
+            <a:endParaRPr sz="1100" dirty="0">
               <a:solidFill>
                 <a:schemeClr val="dk1"/>
               </a:solidFill>
@@ -16209,7 +16408,7 @@
               <a:buChar char="●"/>
             </a:pPr>
             <a:r>
-              <a:rPr lang="pt-PT" sz="1800"/>
+              <a:rPr lang="pt-PT" sz="1800" dirty="0"/>
               <a:t>Modelação Conceptual</a:t>
             </a:r>
           </a:p>
@@ -16222,7 +16421,7 @@
               <a:buChar char="○"/>
             </a:pPr>
             <a:r>
-              <a:rPr lang="pt-PT" sz="1100">
+              <a:rPr lang="pt-PT" sz="1100" dirty="0">
                 <a:solidFill>
                   <a:schemeClr val="dk1"/>
                 </a:solidFill>
@@ -16243,7 +16442,7 @@
               <a:buChar char="○"/>
             </a:pPr>
             <a:r>
-              <a:rPr lang="pt-PT" sz="1100">
+              <a:rPr lang="pt-PT" sz="1100" dirty="0">
                 <a:solidFill>
                   <a:schemeClr val="dk1"/>
                 </a:solidFill>
@@ -16264,7 +16463,7 @@
               <a:buChar char="○"/>
             </a:pPr>
             <a:r>
-              <a:rPr lang="pt-PT" sz="1100">
+              <a:rPr lang="pt-PT" sz="1100" dirty="0">
                 <a:solidFill>
                   <a:schemeClr val="dk1"/>
                 </a:solidFill>
@@ -16286,7 +16485,7 @@
               </a:spcBef>
               <a:buNone/>
             </a:pPr>
-            <a:endParaRPr sz="1100">
+            <a:endParaRPr sz="1100" dirty="0">
               <a:solidFill>
                 <a:schemeClr val="dk1"/>
               </a:solidFill>
@@ -16306,7 +16505,7 @@
               </a:spcBef>
               <a:buNone/>
             </a:pPr>
-            <a:endParaRPr sz="2000"/>
+            <a:endParaRPr sz="2000" dirty="0"/>
           </a:p>
           <a:p>
             <a:pPr lvl="0" rtl="0">
@@ -16318,7 +16517,7 @@
               </a:spcBef>
               <a:buNone/>
             </a:pPr>
-            <a:endParaRPr/>
+            <a:endParaRPr dirty="0"/>
           </a:p>
           <a:p>
             <a:pPr lvl="0" rtl="0">
@@ -16330,7 +16529,7 @@
               </a:spcBef>
               <a:buNone/>
             </a:pPr>
-            <a:endParaRPr/>
+            <a:endParaRPr dirty="0"/>
           </a:p>
           <a:p>
             <a:pPr lvl="0">
@@ -16343,13 +16542,13 @@
               <a:buNone/>
             </a:pPr>
             <a:r>
-              <a:rPr lang="pt-PT"/>
+              <a:rPr lang="pt-PT" dirty="0"/>
               <a:t/>
             </a:r>
             <a:br>
-              <a:rPr lang="pt-PT"/>
+              <a:rPr lang="pt-PT" dirty="0"/>
             </a:br>
-            <a:endParaRPr lang="pt-PT"/>
+            <a:endParaRPr lang="pt-PT" dirty="0"/>
           </a:p>
         </p:txBody>
       </p:sp>
@@ -19650,7 +19849,7 @@
               <a:buChar char="•"/>
             </a:pPr>
             <a:r>
-              <a:rPr lang="pt-PT" sz="1600" dirty="0">
+              <a:rPr lang="pt-PT" sz="1800" dirty="0">
                 <a:solidFill>
                   <a:schemeClr val="dk1"/>
                 </a:solidFill>
@@ -19658,7 +19857,7 @@
               <a:t>Seguida metodologia de desenvolvimento Base de </a:t>
             </a:r>
             <a:r>
-              <a:rPr lang="pt-PT" sz="1600" dirty="0" smtClean="0">
+              <a:rPr lang="pt-PT" sz="1800" dirty="0" smtClean="0">
                 <a:solidFill>
                   <a:schemeClr val="dk1"/>
                 </a:solidFill>
@@ -19675,14 +19874,14 @@
               <a:buChar char="•"/>
             </a:pPr>
             <a:r>
-              <a:rPr lang="pt-PT" sz="1600" dirty="0" smtClean="0">
+              <a:rPr lang="pt-PT" sz="1800" dirty="0" smtClean="0">
                 <a:solidFill>
                   <a:schemeClr val="dk1"/>
                 </a:solidFill>
               </a:rPr>
               <a:t>Modelação Conceptual</a:t>
             </a:r>
-            <a:endParaRPr lang="pt-PT" sz="1600" dirty="0">
+            <a:endParaRPr lang="pt-PT" sz="1800" dirty="0">
               <a:solidFill>
                 <a:schemeClr val="dk1"/>
               </a:solidFill>
@@ -19697,14 +19896,14 @@
               <a:buChar char="•"/>
             </a:pPr>
             <a:r>
-              <a:rPr lang="pt-PT" sz="1600" dirty="0" smtClean="0">
+              <a:rPr lang="pt-PT" sz="1800" dirty="0" smtClean="0">
                 <a:solidFill>
                   <a:schemeClr val="dk1"/>
                 </a:solidFill>
               </a:rPr>
               <a:t>Modelação Lógica</a:t>
             </a:r>
-            <a:endParaRPr lang="pt-PT" sz="1600" dirty="0">
+            <a:endParaRPr lang="pt-PT" sz="1800" dirty="0">
               <a:solidFill>
                 <a:schemeClr val="dk1"/>
               </a:solidFill>
@@ -19719,14 +19918,14 @@
               <a:buChar char="•"/>
             </a:pPr>
             <a:r>
-              <a:rPr lang="pt-PT" sz="1600" dirty="0" smtClean="0">
+              <a:rPr lang="pt-PT" sz="1800" dirty="0" smtClean="0">
                 <a:solidFill>
                   <a:schemeClr val="dk1"/>
                 </a:solidFill>
               </a:rPr>
               <a:t>Modelação Física</a:t>
             </a:r>
-            <a:endParaRPr lang="pt-PT" sz="1600" dirty="0">
+            <a:endParaRPr lang="pt-PT" sz="1800" dirty="0">
               <a:solidFill>
                 <a:schemeClr val="dk1"/>
               </a:solidFill>
@@ -20091,7 +20290,7 @@
               <a:buNone/>
             </a:pPr>
             <a:r>
-              <a:rPr lang="pt-PT" sz="3600"/>
+              <a:rPr lang="pt-PT" sz="3600" dirty="0"/>
               <a:t>Gestão de Dados</a:t>
             </a:r>
           </a:p>
@@ -20129,7 +20328,7 @@
               <a:buNone/>
             </a:pPr>
             <a:r>
-              <a:rPr lang="pt-PT"/>
+              <a:rPr lang="pt-PT" dirty="0"/>
               <a:t>Biblioteca</a:t>
             </a:r>
           </a:p>
@@ -20175,7 +20374,7 @@
               <a:buNone/>
             </a:pPr>
             <a:r>
-              <a:rPr lang="pt-PT" sz="1600">
+              <a:rPr lang="pt-PT" sz="1600" dirty="0">
                 <a:solidFill>
                   <a:srgbClr val="CCCCCC"/>
                 </a:solidFill>
@@ -20203,7 +20402,7 @@
               <a:buNone/>
             </a:pPr>
             <a:r>
-              <a:rPr lang="pt-PT" sz="1600">
+              <a:rPr lang="pt-PT" sz="1600" dirty="0">
                 <a:solidFill>
                   <a:srgbClr val="CCCCCC"/>
                 </a:solidFill>
@@ -20231,7 +20430,7 @@
               <a:buNone/>
             </a:pPr>
             <a:r>
-              <a:rPr lang="pt-PT" sz="1600">
+              <a:rPr lang="pt-PT" sz="1600" dirty="0">
                 <a:solidFill>
                   <a:srgbClr val="CCCCCC"/>
                 </a:solidFill>
@@ -20250,7 +20449,7 @@
               </a:spcBef>
               <a:buNone/>
             </a:pPr>
-            <a:endParaRPr/>
+            <a:endParaRPr dirty="0"/>
           </a:p>
         </p:txBody>
       </p:sp>
@@ -20367,14 +20566,14 @@
       </p:sp>
       <p:sp>
         <p:nvSpPr>
-          <p:cNvPr id="322" name="Shape 322"/>
+          <p:cNvPr id="323" name="Shape 323"/>
           <p:cNvSpPr txBox="1"/>
           <p:nvPr/>
         </p:nvSpPr>
         <p:spPr>
           <a:xfrm>
-            <a:off x="6737625" y="3849750"/>
-            <a:ext cx="2079000" cy="1050900"/>
+            <a:off x="436125" y="4591150"/>
+            <a:ext cx="2324400" cy="309600"/>
           </a:xfrm>
           <a:prstGeom prst="rect">
             <a:avLst/>
@@ -20390,7 +20589,7 @@
           </a:bodyPr>
           <a:lstStyle/>
           <a:p>
-            <a:pPr lvl="0" algn="r" rtl="0">
+            <a:pPr lvl="0" rtl="0">
               <a:spcBef>
                 <a:spcPts val="0"/>
               </a:spcBef>
@@ -20406,90 +20605,21 @@
                 <a:cs typeface="Trebuchet MS"/>
                 <a:sym typeface="Trebuchet MS"/>
               </a:rPr>
-              <a:t>André Santos</a:t>
-            </a:r>
-            <a:br>
-              <a:rPr lang="pt-PT">
-                <a:solidFill>
-                  <a:srgbClr val="F3F3F3"/>
-                </a:solidFill>
-                <a:latin typeface="Trebuchet MS"/>
-                <a:ea typeface="Trebuchet MS"/>
-                <a:cs typeface="Trebuchet MS"/>
-                <a:sym typeface="Trebuchet MS"/>
-              </a:rPr>
-            </a:br>
-            <a:r>
-              <a:rPr lang="pt-PT">
-                <a:solidFill>
-                  <a:srgbClr val="F3F3F3"/>
-                </a:solidFill>
-                <a:latin typeface="Trebuchet MS"/>
-                <a:ea typeface="Trebuchet MS"/>
-                <a:cs typeface="Trebuchet MS"/>
-                <a:sym typeface="Trebuchet MS"/>
-              </a:rPr>
-              <a:t>Jéssica Pereira</a:t>
-            </a:r>
-            <a:br>
-              <a:rPr lang="pt-PT">
-                <a:solidFill>
-                  <a:srgbClr val="F3F3F3"/>
-                </a:solidFill>
-                <a:latin typeface="Trebuchet MS"/>
-                <a:ea typeface="Trebuchet MS"/>
-                <a:cs typeface="Trebuchet MS"/>
-                <a:sym typeface="Trebuchet MS"/>
-              </a:rPr>
-            </a:br>
-            <a:r>
-              <a:rPr lang="pt-PT">
-                <a:solidFill>
-                  <a:srgbClr val="F3F3F3"/>
-                </a:solidFill>
-                <a:latin typeface="Trebuchet MS"/>
-                <a:ea typeface="Trebuchet MS"/>
-                <a:cs typeface="Trebuchet MS"/>
-                <a:sym typeface="Trebuchet MS"/>
-              </a:rPr>
-              <a:t>Mariana Carvalho</a:t>
-            </a:r>
-            <a:br>
-              <a:rPr lang="pt-PT">
-                <a:solidFill>
-                  <a:srgbClr val="F3F3F3"/>
-                </a:solidFill>
-                <a:latin typeface="Trebuchet MS"/>
-                <a:ea typeface="Trebuchet MS"/>
-                <a:cs typeface="Trebuchet MS"/>
-                <a:sym typeface="Trebuchet MS"/>
-              </a:rPr>
-            </a:br>
-            <a:r>
-              <a:rPr lang="pt-PT">
-                <a:solidFill>
-                  <a:srgbClr val="F3F3F3"/>
-                </a:solidFill>
-                <a:latin typeface="Trebuchet MS"/>
-                <a:ea typeface="Trebuchet MS"/>
-                <a:cs typeface="Trebuchet MS"/>
-                <a:sym typeface="Trebuchet MS"/>
-              </a:rPr>
-              <a:t>Grupo 08</a:t>
+              <a:t>Ano Letivo 2015/2016</a:t>
             </a:r>
           </a:p>
         </p:txBody>
       </p:sp>
       <p:sp>
         <p:nvSpPr>
-          <p:cNvPr id="323" name="Shape 323"/>
+          <p:cNvPr id="9" name="Shape 106"/>
           <p:cNvSpPr txBox="1"/>
           <p:nvPr/>
         </p:nvSpPr>
         <p:spPr>
           <a:xfrm>
-            <a:off x="436125" y="4591150"/>
-            <a:ext cx="2324400" cy="309600"/>
+            <a:off x="6918251" y="4103750"/>
+            <a:ext cx="2147091" cy="1039750"/>
           </a:xfrm>
           <a:prstGeom prst="rect">
             <a:avLst/>
@@ -20505,14 +20635,8 @@
           </a:bodyPr>
           <a:lstStyle/>
           <a:p>
-            <a:pPr lvl="0" rtl="0">
-              <a:spcBef>
-                <a:spcPts val="0"/>
-              </a:spcBef>
-              <a:buNone/>
-            </a:pPr>
-            <a:r>
-              <a:rPr lang="pt-PT">
+            <a:r>
+              <a:rPr lang="pt-PT" u="sng" dirty="0">
                 <a:solidFill>
                   <a:srgbClr val="F3F3F3"/>
                 </a:solidFill>
@@ -20521,8 +20645,146 @@
                 <a:cs typeface="Trebuchet MS"/>
                 <a:sym typeface="Trebuchet MS"/>
               </a:rPr>
-              <a:t>Ano Letivo 2015/2016</a:t>
-            </a:r>
+              <a:t>Grupo </a:t>
+            </a:r>
+            <a:r>
+              <a:rPr lang="pt-PT" u="sng" dirty="0" smtClean="0">
+                <a:solidFill>
+                  <a:srgbClr val="F3F3F3"/>
+                </a:solidFill>
+                <a:latin typeface="Trebuchet MS"/>
+                <a:ea typeface="Trebuchet MS"/>
+                <a:cs typeface="Trebuchet MS"/>
+                <a:sym typeface="Trebuchet MS"/>
+              </a:rPr>
+              <a:t>08:</a:t>
+            </a:r>
+            <a:endParaRPr lang="pt-PT" u="sng" dirty="0" smtClean="0">
+              <a:solidFill>
+                <a:srgbClr val="F3F3F3"/>
+              </a:solidFill>
+              <a:latin typeface="Trebuchet MS"/>
+              <a:ea typeface="Trebuchet MS"/>
+              <a:cs typeface="Trebuchet MS"/>
+              <a:sym typeface="Trebuchet MS"/>
+            </a:endParaRPr>
+          </a:p>
+          <a:p>
+            <a:pPr lvl="4"/>
+            <a:r>
+              <a:rPr lang="pt-PT" dirty="0" smtClean="0">
+                <a:solidFill>
+                  <a:srgbClr val="F3F3F3"/>
+                </a:solidFill>
+                <a:latin typeface="Trebuchet MS"/>
+                <a:ea typeface="Trebuchet MS"/>
+                <a:cs typeface="Trebuchet MS"/>
+                <a:sym typeface="Trebuchet MS"/>
+              </a:rPr>
+              <a:t>    André </a:t>
+            </a:r>
+            <a:r>
+              <a:rPr lang="pt-PT" dirty="0">
+                <a:solidFill>
+                  <a:srgbClr val="F3F3F3"/>
+                </a:solidFill>
+                <a:latin typeface="Trebuchet MS"/>
+                <a:ea typeface="Trebuchet MS"/>
+                <a:cs typeface="Trebuchet MS"/>
+                <a:sym typeface="Trebuchet MS"/>
+              </a:rPr>
+              <a:t>Santos</a:t>
+            </a:r>
+            <a:br>
+              <a:rPr lang="pt-PT" dirty="0">
+                <a:solidFill>
+                  <a:srgbClr val="F3F3F3"/>
+                </a:solidFill>
+                <a:latin typeface="Trebuchet MS"/>
+                <a:ea typeface="Trebuchet MS"/>
+                <a:cs typeface="Trebuchet MS"/>
+                <a:sym typeface="Trebuchet MS"/>
+              </a:rPr>
+            </a:br>
+            <a:r>
+              <a:rPr lang="pt-PT" dirty="0" smtClean="0">
+                <a:solidFill>
+                  <a:srgbClr val="F3F3F3"/>
+                </a:solidFill>
+                <a:latin typeface="Trebuchet MS"/>
+                <a:ea typeface="Trebuchet MS"/>
+                <a:cs typeface="Trebuchet MS"/>
+                <a:sym typeface="Trebuchet MS"/>
+              </a:rPr>
+              <a:t>    Jéssica </a:t>
+            </a:r>
+            <a:r>
+              <a:rPr lang="pt-PT" dirty="0">
+                <a:solidFill>
+                  <a:srgbClr val="F3F3F3"/>
+                </a:solidFill>
+                <a:latin typeface="Trebuchet MS"/>
+                <a:ea typeface="Trebuchet MS"/>
+                <a:cs typeface="Trebuchet MS"/>
+                <a:sym typeface="Trebuchet MS"/>
+              </a:rPr>
+              <a:t>Pereira</a:t>
+            </a:r>
+            <a:br>
+              <a:rPr lang="pt-PT" dirty="0">
+                <a:solidFill>
+                  <a:srgbClr val="F3F3F3"/>
+                </a:solidFill>
+                <a:latin typeface="Trebuchet MS"/>
+                <a:ea typeface="Trebuchet MS"/>
+                <a:cs typeface="Trebuchet MS"/>
+                <a:sym typeface="Trebuchet MS"/>
+              </a:rPr>
+            </a:br>
+            <a:r>
+              <a:rPr lang="pt-PT" dirty="0" smtClean="0">
+                <a:solidFill>
+                  <a:srgbClr val="F3F3F3"/>
+                </a:solidFill>
+                <a:latin typeface="Trebuchet MS"/>
+                <a:ea typeface="Trebuchet MS"/>
+                <a:cs typeface="Trebuchet MS"/>
+                <a:sym typeface="Trebuchet MS"/>
+              </a:rPr>
+              <a:t>    Mariana </a:t>
+            </a:r>
+            <a:r>
+              <a:rPr lang="pt-PT" dirty="0">
+                <a:solidFill>
+                  <a:srgbClr val="F3F3F3"/>
+                </a:solidFill>
+                <a:latin typeface="Trebuchet MS"/>
+                <a:ea typeface="Trebuchet MS"/>
+                <a:cs typeface="Trebuchet MS"/>
+                <a:sym typeface="Trebuchet MS"/>
+              </a:rPr>
+              <a:t>Carvalho</a:t>
+            </a:r>
+            <a:br>
+              <a:rPr lang="pt-PT" dirty="0">
+                <a:solidFill>
+                  <a:srgbClr val="F3F3F3"/>
+                </a:solidFill>
+                <a:latin typeface="Trebuchet MS"/>
+                <a:ea typeface="Trebuchet MS"/>
+                <a:cs typeface="Trebuchet MS"/>
+                <a:sym typeface="Trebuchet MS"/>
+              </a:rPr>
+            </a:br>
+            <a:endParaRPr lang="pt-PT" dirty="0">
+              <a:solidFill>
+                <a:srgbClr val="F3F3F3"/>
+              </a:solidFill>
+              <a:latin typeface="Trebuchet MS"/>
+              <a:ea typeface="Trebuchet MS"/>
+              <a:cs typeface="Trebuchet MS"/>
+              <a:sym typeface="Trebuchet MS"/>
+            </a:endParaRPr>
           </a:p>
         </p:txBody>
       </p:sp>
@@ -22434,7 +22696,39 @@
                   <a:srgbClr val="000000"/>
                 </a:solidFill>
               </a:rPr>
-              <a:t>= {idRequisicao, DataRequisicao, DataEntrega, Estado, NroMaxRenovacoes,         NrRenovacoes, Exemplar, Utilizador}</a:t>
+              <a:t>= {idRequisicao, DataRequisicao, DataEntrega, Estado, </a:t>
+            </a:r>
+            <a:r>
+              <a:rPr lang="pt-PT" sz="1400" dirty="0" smtClean="0">
+                <a:solidFill>
+                  <a:srgbClr val="000000"/>
+                </a:solidFill>
+              </a:rPr>
+              <a:t>NroMaxRenovacoes,             	    NrRenovacoes</a:t>
+            </a:r>
+            <a:r>
+              <a:rPr lang="pt-PT" sz="1400" dirty="0">
+                <a:solidFill>
+                  <a:srgbClr val="000000"/>
+                </a:solidFill>
+              </a:rPr>
+              <a:t>, </a:t>
+            </a:r>
+            <a:r>
+              <a:rPr lang="pt-PT" sz="1400" dirty="0" smtClean="0">
+                <a:solidFill>
+                  <a:srgbClr val="000000"/>
+                </a:solidFill>
+              </a:rPr>
+              <a:t>Exemplar</a:t>
+            </a:r>
+            <a:r>
+              <a:rPr lang="pt-PT" sz="1400" dirty="0">
+                <a:solidFill>
+                  <a:srgbClr val="000000"/>
+                </a:solidFill>
+              </a:rPr>
+              <a:t>, Utilizador}</a:t>
             </a:r>
           </a:p>
           <a:p>
